--- a/OOP-DSA/Projects/AVL-Tree/AVLTree-Erfan-Rezaei.pptx
+++ b/OOP-DSA/Projects/AVL-Tree/AVLTree-Erfan-Rezaei.pptx
@@ -7226,8 +7226,8 @@
         </p:nvSpPr>
         <p:spPr>
           <a:xfrm>
-            <a:off x="639840" y="2463855"/>
-            <a:ext cx="353687" cy="338554"/>
+            <a:off x="562717" y="2456445"/>
+            <a:ext cx="490703" cy="338554"/>
           </a:xfrm>
           <a:prstGeom prst="rect">
             <a:avLst/>
@@ -7246,7 +7246,7 @@
                   <a:srgbClr val="92D050"/>
                 </a:solidFill>
               </a:rPr>
-              <a:t>1</a:t>
+              <a:t>+1</a:t>
             </a:r>
           </a:p>
         </p:txBody>
